--- a/Living Healthy.pptx
+++ b/Living Healthy.pptx
@@ -11,7 +11,7 @@
     <p:sldId id="258" r:id="rId5"/>
     <p:sldId id="259" r:id="rId6"/>
     <p:sldId id="260" r:id="rId7"/>
-    <p:sldId id="263" r:id="rId8"/>
+    <p:sldId id="264" r:id="rId8"/>
     <p:sldId id="261" r:id="rId9"/>
   </p:sldIdLst>
   <p:sldSz cx="12192000" cy="6858000"/>
@@ -273,7 +273,7 @@
           <a:p>
             <a:fld id="{11EAACC7-3B3F-47D1-959A-EF58926E955E}" type="datetimeFigureOut">
               <a:rPr lang="en-US" smtClean="0"/>
-              <a:t>10/17/2020</a:t>
+              <a:t>10/18/2020</a:t>
             </a:fld>
             <a:endParaRPr lang="en-US"/>
           </a:p>
@@ -471,7 +471,7 @@
           <a:p>
             <a:fld id="{11EAACC7-3B3F-47D1-959A-EF58926E955E}" type="datetimeFigureOut">
               <a:rPr lang="en-US" smtClean="0"/>
-              <a:t>10/17/2020</a:t>
+              <a:t>10/18/2020</a:t>
             </a:fld>
             <a:endParaRPr lang="en-US"/>
           </a:p>
@@ -679,7 +679,7 @@
           <a:p>
             <a:fld id="{11EAACC7-3B3F-47D1-959A-EF58926E955E}" type="datetimeFigureOut">
               <a:rPr lang="en-US" smtClean="0"/>
-              <a:t>10/17/2020</a:t>
+              <a:t>10/18/2020</a:t>
             </a:fld>
             <a:endParaRPr lang="en-US"/>
           </a:p>
@@ -908,7 +908,7 @@
           <a:p>
             <a:fld id="{11EAACC7-3B3F-47D1-959A-EF58926E955E}" type="datetimeFigureOut">
               <a:rPr lang="en-US" smtClean="0"/>
-              <a:t>10/17/2020</a:t>
+              <a:t>10/18/2020</a:t>
             </a:fld>
             <a:endParaRPr lang="en-US" dirty="0"/>
           </a:p>
@@ -1183,7 +1183,7 @@
           <a:p>
             <a:fld id="{11EAACC7-3B3F-47D1-959A-EF58926E955E}" type="datetimeFigureOut">
               <a:rPr lang="en-US" smtClean="0"/>
-              <a:t>10/17/2020</a:t>
+              <a:t>10/18/2020</a:t>
             </a:fld>
             <a:endParaRPr lang="en-US"/>
           </a:p>
@@ -1449,7 +1449,7 @@
           <a:p>
             <a:fld id="{11EAACC7-3B3F-47D1-959A-EF58926E955E}" type="datetimeFigureOut">
               <a:rPr lang="en-US" smtClean="0"/>
-              <a:t>10/17/2020</a:t>
+              <a:t>10/18/2020</a:t>
             </a:fld>
             <a:endParaRPr lang="en-US"/>
           </a:p>
@@ -1866,7 +1866,7 @@
           <a:p>
             <a:fld id="{11EAACC7-3B3F-47D1-959A-EF58926E955E}" type="datetimeFigureOut">
               <a:rPr lang="en-US" smtClean="0"/>
-              <a:t>10/17/2020</a:t>
+              <a:t>10/18/2020</a:t>
             </a:fld>
             <a:endParaRPr lang="en-US"/>
           </a:p>
@@ -2007,7 +2007,7 @@
           <a:p>
             <a:fld id="{11EAACC7-3B3F-47D1-959A-EF58926E955E}" type="datetimeFigureOut">
               <a:rPr lang="en-US" smtClean="0"/>
-              <a:t>10/17/2020</a:t>
+              <a:t>10/18/2020</a:t>
             </a:fld>
             <a:endParaRPr lang="en-US"/>
           </a:p>
@@ -2120,7 +2120,7 @@
           <a:p>
             <a:fld id="{11EAACC7-3B3F-47D1-959A-EF58926E955E}" type="datetimeFigureOut">
               <a:rPr lang="en-US" smtClean="0"/>
-              <a:t>10/17/2020</a:t>
+              <a:t>10/18/2020</a:t>
             </a:fld>
             <a:endParaRPr lang="en-US"/>
           </a:p>
@@ -2431,7 +2431,7 @@
           <a:p>
             <a:fld id="{11EAACC7-3B3F-47D1-959A-EF58926E955E}" type="datetimeFigureOut">
               <a:rPr lang="en-US" smtClean="0"/>
-              <a:t>10/17/2020</a:t>
+              <a:t>10/18/2020</a:t>
             </a:fld>
             <a:endParaRPr lang="en-US"/>
           </a:p>
@@ -2722,7 +2722,7 @@
           <a:p>
             <a:fld id="{11EAACC7-3B3F-47D1-959A-EF58926E955E}" type="datetimeFigureOut">
               <a:rPr lang="en-US" smtClean="0"/>
-              <a:t>10/17/2020</a:t>
+              <a:t>10/18/2020</a:t>
             </a:fld>
             <a:endParaRPr lang="en-US"/>
           </a:p>
@@ -3279,7 +3279,7 @@
           <a:p>
             <a:fld id="{11EAACC7-3B3F-47D1-959A-EF58926E955E}" type="datetimeFigureOut">
               <a:rPr lang="en-US" smtClean="0"/>
-              <a:t>10/17/2020</a:t>
+              <a:t>10/18/2020</a:t>
             </a:fld>
             <a:endParaRPr lang="en-US"/>
           </a:p>
@@ -5386,663 +5386,12 @@
           <a:chExt cx="0" cy="0"/>
         </a:xfrm>
       </p:grpSpPr>
-      <p:cxnSp>
-        <p:nvCxnSpPr>
-          <p:cNvPr id="16" name="Straight Connector 15">
-            <a:extLst>
-              <a:ext uri="{FF2B5EF4-FFF2-40B4-BE49-F238E27FC236}">
-                <a16:creationId xmlns:a16="http://schemas.microsoft.com/office/drawing/2014/main" id="{4436E0F2-A64B-471E-93C0-8DFE08CC57C8}"/>
-              </a:ext>
-              <a:ext uri="{C183D7F6-B498-43B3-948B-1728B52AA6E4}">
-                <adec:decorative xmlns:adec="http://schemas.microsoft.com/office/drawing/2017/decorative" val="1"/>
-              </a:ext>
-            </a:extLst>
-          </p:cNvPr>
-          <p:cNvCxnSpPr>
-            <a:cxnSpLocks noGrp="1" noRot="1" noChangeAspect="1" noMove="1" noResize="1" noEditPoints="1" noAdjustHandles="1" noChangeArrowheads="1" noChangeShapeType="1"/>
-          </p:cNvCxnSpPr>
-          <p:nvPr>
-            <p:extLst>
-              <p:ext uri="{386F3935-93C4-4BCD-93E2-E3B085C9AB24}">
-                <p16:designElem xmlns:p16="http://schemas.microsoft.com/office/powerpoint/2015/main" val="1"/>
-              </p:ext>
-            </p:extLst>
-          </p:nvPr>
-        </p:nvCxnSpPr>
-        <p:spPr>
-          <a:xfrm flipH="1">
-            <a:off x="0" y="0"/>
-            <a:ext cx="3119718" cy="685800"/>
-          </a:xfrm>
-          <a:prstGeom prst="line">
-            <a:avLst/>
-          </a:prstGeom>
-          <a:ln w="12700">
-            <a:solidFill>
-              <a:schemeClr val="accent2">
-                <a:alpha val="70000"/>
-              </a:schemeClr>
-            </a:solidFill>
-          </a:ln>
-        </p:spPr>
-        <p:style>
-          <a:lnRef idx="1">
-            <a:schemeClr val="accent1"/>
-          </a:lnRef>
-          <a:fillRef idx="0">
-            <a:schemeClr val="accent1"/>
-          </a:fillRef>
-          <a:effectRef idx="0">
-            <a:schemeClr val="accent1"/>
-          </a:effectRef>
-          <a:fontRef idx="minor">
-            <a:schemeClr val="tx1"/>
-          </a:fontRef>
-        </p:style>
-      </p:cxnSp>
-      <p:cxnSp>
-        <p:nvCxnSpPr>
-          <p:cNvPr id="18" name="Straight Connector 17">
-            <a:extLst>
-              <a:ext uri="{FF2B5EF4-FFF2-40B4-BE49-F238E27FC236}">
-                <a16:creationId xmlns:a16="http://schemas.microsoft.com/office/drawing/2014/main" id="{DC1E3AB1-2A8C-4607-9FAE-D8BDB280FE1A}"/>
-              </a:ext>
-              <a:ext uri="{C183D7F6-B498-43B3-948B-1728B52AA6E4}">
-                <adec:decorative xmlns:adec="http://schemas.microsoft.com/office/drawing/2017/decorative" val="1"/>
-              </a:ext>
-            </a:extLst>
-          </p:cNvPr>
-          <p:cNvCxnSpPr>
-            <a:cxnSpLocks noGrp="1" noRot="1" noChangeAspect="1" noMove="1" noResize="1" noEditPoints="1" noAdjustHandles="1" noChangeArrowheads="1" noChangeShapeType="1"/>
-          </p:cNvCxnSpPr>
-          <p:nvPr>
-            <p:extLst>
-              <p:ext uri="{386F3935-93C4-4BCD-93E2-E3B085C9AB24}">
-                <p16:designElem xmlns:p16="http://schemas.microsoft.com/office/powerpoint/2015/main" val="1"/>
-              </p:ext>
-            </p:extLst>
-          </p:nvPr>
-        </p:nvCxnSpPr>
-        <p:spPr>
-          <a:xfrm flipH="1">
-            <a:off x="0" y="0"/>
-            <a:ext cx="903768" cy="6543675"/>
-          </a:xfrm>
-          <a:prstGeom prst="line">
-            <a:avLst/>
-          </a:prstGeom>
-          <a:ln w="12700">
-            <a:solidFill>
-              <a:schemeClr val="accent2">
-                <a:alpha val="70000"/>
-              </a:schemeClr>
-            </a:solidFill>
-          </a:ln>
-        </p:spPr>
-        <p:style>
-          <a:lnRef idx="1">
-            <a:schemeClr val="accent1"/>
-          </a:lnRef>
-          <a:fillRef idx="0">
-            <a:schemeClr val="accent1"/>
-          </a:fillRef>
-          <a:effectRef idx="0">
-            <a:schemeClr val="accent1"/>
-          </a:effectRef>
-          <a:fontRef idx="minor">
-            <a:schemeClr val="tx1"/>
-          </a:fontRef>
-        </p:style>
-      </p:cxnSp>
-      <p:cxnSp>
-        <p:nvCxnSpPr>
-          <p:cNvPr id="20" name="Straight Connector 19">
-            <a:extLst>
-              <a:ext uri="{FF2B5EF4-FFF2-40B4-BE49-F238E27FC236}">
-                <a16:creationId xmlns:a16="http://schemas.microsoft.com/office/drawing/2014/main" id="{26D66059-832F-40B6-A35F-F56C8F38A1E7}"/>
-              </a:ext>
-              <a:ext uri="{C183D7F6-B498-43B3-948B-1728B52AA6E4}">
-                <adec:decorative xmlns:adec="http://schemas.microsoft.com/office/drawing/2017/decorative" val="1"/>
-              </a:ext>
-            </a:extLst>
-          </p:cNvPr>
-          <p:cNvCxnSpPr>
-            <a:cxnSpLocks noGrp="1" noRot="1" noChangeAspect="1" noMove="1" noResize="1" noEditPoints="1" noAdjustHandles="1" noChangeArrowheads="1" noChangeShapeType="1"/>
-          </p:cNvCxnSpPr>
-          <p:nvPr>
-            <p:extLst>
-              <p:ext uri="{386F3935-93C4-4BCD-93E2-E3B085C9AB24}">
-                <p16:designElem xmlns:p16="http://schemas.microsoft.com/office/powerpoint/2015/main" val="1"/>
-              </p:ext>
-            </p:extLst>
-          </p:nvPr>
-        </p:nvCxnSpPr>
-        <p:spPr>
-          <a:xfrm flipH="1" flipV="1">
-            <a:off x="-42863" y="5791200"/>
-            <a:ext cx="6286501" cy="1066801"/>
-          </a:xfrm>
-          <a:prstGeom prst="line">
-            <a:avLst/>
-          </a:prstGeom>
-          <a:ln w="12700">
-            <a:solidFill>
-              <a:schemeClr val="accent2">
-                <a:alpha val="70000"/>
-              </a:schemeClr>
-            </a:solidFill>
-          </a:ln>
-        </p:spPr>
-        <p:style>
-          <a:lnRef idx="1">
-            <a:schemeClr val="accent1"/>
-          </a:lnRef>
-          <a:fillRef idx="0">
-            <a:schemeClr val="accent1"/>
-          </a:fillRef>
-          <a:effectRef idx="0">
-            <a:schemeClr val="accent1"/>
-          </a:effectRef>
-          <a:fontRef idx="minor">
-            <a:schemeClr val="tx1"/>
-          </a:fontRef>
-        </p:style>
-      </p:cxnSp>
-      <p:cxnSp>
-        <p:nvCxnSpPr>
-          <p:cNvPr id="22" name="Straight Connector 21">
-            <a:extLst>
-              <a:ext uri="{FF2B5EF4-FFF2-40B4-BE49-F238E27FC236}">
-                <a16:creationId xmlns:a16="http://schemas.microsoft.com/office/drawing/2014/main" id="{A515E2ED-7EA9-448D-83FA-54C3DF9723BD}"/>
-              </a:ext>
-              <a:ext uri="{C183D7F6-B498-43B3-948B-1728B52AA6E4}">
-                <adec:decorative xmlns:adec="http://schemas.microsoft.com/office/drawing/2017/decorative" val="1"/>
-              </a:ext>
-            </a:extLst>
-          </p:cNvPr>
-          <p:cNvCxnSpPr>
-            <a:cxnSpLocks noGrp="1" noRot="1" noChangeAspect="1" noMove="1" noResize="1" noEditPoints="1" noAdjustHandles="1" noChangeArrowheads="1" noChangeShapeType="1"/>
-          </p:cNvCxnSpPr>
-          <p:nvPr>
-            <p:extLst>
-              <p:ext uri="{386F3935-93C4-4BCD-93E2-E3B085C9AB24}">
-                <p16:designElem xmlns:p16="http://schemas.microsoft.com/office/powerpoint/2015/main" val="1"/>
-              </p:ext>
-            </p:extLst>
-          </p:nvPr>
-        </p:nvCxnSpPr>
-        <p:spPr>
-          <a:xfrm flipH="1">
-            <a:off x="8462964" y="5848350"/>
-            <a:ext cx="3729036" cy="1009650"/>
-          </a:xfrm>
-          <a:prstGeom prst="line">
-            <a:avLst/>
-          </a:prstGeom>
-          <a:ln w="12700">
-            <a:solidFill>
-              <a:schemeClr val="accent2">
-                <a:alpha val="70000"/>
-              </a:schemeClr>
-            </a:solidFill>
-          </a:ln>
-        </p:spPr>
-        <p:style>
-          <a:lnRef idx="1">
-            <a:schemeClr val="accent1"/>
-          </a:lnRef>
-          <a:fillRef idx="0">
-            <a:schemeClr val="accent1"/>
-          </a:fillRef>
-          <a:effectRef idx="0">
-            <a:schemeClr val="accent1"/>
-          </a:effectRef>
-          <a:fontRef idx="minor">
-            <a:schemeClr val="tx1"/>
-          </a:fontRef>
-        </p:style>
-      </p:cxnSp>
-      <p:cxnSp>
-        <p:nvCxnSpPr>
-          <p:cNvPr id="24" name="Straight Connector 23">
-            <a:extLst>
-              <a:ext uri="{FF2B5EF4-FFF2-40B4-BE49-F238E27FC236}">
-                <a16:creationId xmlns:a16="http://schemas.microsoft.com/office/drawing/2014/main" id="{20595356-EABD-4767-AC9D-EA21FF115EC0}"/>
-              </a:ext>
-              <a:ext uri="{C183D7F6-B498-43B3-948B-1728B52AA6E4}">
-                <adec:decorative xmlns:adec="http://schemas.microsoft.com/office/drawing/2017/decorative" val="1"/>
-              </a:ext>
-            </a:extLst>
-          </p:cNvPr>
-          <p:cNvCxnSpPr>
-            <a:cxnSpLocks noGrp="1" noRot="1" noChangeAspect="1" noMove="1" noResize="1" noEditPoints="1" noAdjustHandles="1" noChangeArrowheads="1" noChangeShapeType="1"/>
-          </p:cNvCxnSpPr>
-          <p:nvPr>
-            <p:extLst>
-              <p:ext uri="{386F3935-93C4-4BCD-93E2-E3B085C9AB24}">
-                <p16:designElem xmlns:p16="http://schemas.microsoft.com/office/powerpoint/2015/main" val="1"/>
-              </p:ext>
-            </p:extLst>
-          </p:nvPr>
-        </p:nvCxnSpPr>
-        <p:spPr>
-          <a:xfrm flipH="1">
-            <a:off x="11543158" y="1647825"/>
-            <a:ext cx="648842" cy="5210175"/>
-          </a:xfrm>
-          <a:prstGeom prst="line">
-            <a:avLst/>
-          </a:prstGeom>
-          <a:ln w="12700">
-            <a:solidFill>
-              <a:schemeClr val="accent2">
-                <a:alpha val="70000"/>
-              </a:schemeClr>
-            </a:solidFill>
-          </a:ln>
-        </p:spPr>
-        <p:style>
-          <a:lnRef idx="1">
-            <a:schemeClr val="accent1"/>
-          </a:lnRef>
-          <a:fillRef idx="0">
-            <a:schemeClr val="accent1"/>
-          </a:fillRef>
-          <a:effectRef idx="0">
-            <a:schemeClr val="accent1"/>
-          </a:effectRef>
-          <a:fontRef idx="minor">
-            <a:schemeClr val="tx1"/>
-          </a:fontRef>
-        </p:style>
-      </p:cxnSp>
-      <p:cxnSp>
-        <p:nvCxnSpPr>
-          <p:cNvPr id="26" name="Straight Connector 25">
-            <a:extLst>
-              <a:ext uri="{FF2B5EF4-FFF2-40B4-BE49-F238E27FC236}">
-                <a16:creationId xmlns:a16="http://schemas.microsoft.com/office/drawing/2014/main" id="{28CD9F06-9628-469C-B788-A894E3E08281}"/>
-              </a:ext>
-              <a:ext uri="{C183D7F6-B498-43B3-948B-1728B52AA6E4}">
-                <adec:decorative xmlns:adec="http://schemas.microsoft.com/office/drawing/2017/decorative" val="1"/>
-              </a:ext>
-            </a:extLst>
-          </p:cNvPr>
-          <p:cNvCxnSpPr>
-            <a:cxnSpLocks noGrp="1" noRot="1" noChangeAspect="1" noMove="1" noResize="1" noEditPoints="1" noAdjustHandles="1" noChangeArrowheads="1" noChangeShapeType="1"/>
-          </p:cNvCxnSpPr>
-          <p:nvPr>
-            <p:extLst>
-              <p:ext uri="{386F3935-93C4-4BCD-93E2-E3B085C9AB24}">
-                <p16:designElem xmlns:p16="http://schemas.microsoft.com/office/powerpoint/2015/main" val="1"/>
-              </p:ext>
-            </p:extLst>
-          </p:nvPr>
-        </p:nvCxnSpPr>
-        <p:spPr>
-          <a:xfrm flipH="1" flipV="1">
-            <a:off x="10781554" y="0"/>
-            <a:ext cx="1410446" cy="4258340"/>
-          </a:xfrm>
-          <a:prstGeom prst="line">
-            <a:avLst/>
-          </a:prstGeom>
-          <a:ln w="12700">
-            <a:solidFill>
-              <a:schemeClr val="accent2">
-                <a:alpha val="70000"/>
-              </a:schemeClr>
-            </a:solidFill>
-          </a:ln>
-        </p:spPr>
-        <p:style>
-          <a:lnRef idx="1">
-            <a:schemeClr val="accent1"/>
-          </a:lnRef>
-          <a:fillRef idx="0">
-            <a:schemeClr val="accent1"/>
-          </a:fillRef>
-          <a:effectRef idx="0">
-            <a:schemeClr val="accent1"/>
-          </a:effectRef>
-          <a:fontRef idx="minor">
-            <a:schemeClr val="tx1"/>
-          </a:fontRef>
-        </p:style>
-      </p:cxnSp>
-      <p:cxnSp>
-        <p:nvCxnSpPr>
-          <p:cNvPr id="28" name="Straight Connector 27">
-            <a:extLst>
-              <a:ext uri="{FF2B5EF4-FFF2-40B4-BE49-F238E27FC236}">
-                <a16:creationId xmlns:a16="http://schemas.microsoft.com/office/drawing/2014/main" id="{8550A431-0B61-421B-B4B7-24C0CFF0F938}"/>
-              </a:ext>
-              <a:ext uri="{C183D7F6-B498-43B3-948B-1728B52AA6E4}">
-                <adec:decorative xmlns:adec="http://schemas.microsoft.com/office/drawing/2017/decorative" val="1"/>
-              </a:ext>
-            </a:extLst>
-          </p:cNvPr>
-          <p:cNvCxnSpPr>
-            <a:cxnSpLocks noGrp="1" noRot="1" noChangeAspect="1" noMove="1" noResize="1" noEditPoints="1" noAdjustHandles="1" noChangeArrowheads="1" noChangeShapeType="1"/>
-          </p:cNvCxnSpPr>
-          <p:nvPr>
-            <p:extLst>
-              <p:ext uri="{386F3935-93C4-4BCD-93E2-E3B085C9AB24}">
-                <p16:designElem xmlns:p16="http://schemas.microsoft.com/office/powerpoint/2015/main" val="1"/>
-              </p:ext>
-            </p:extLst>
-          </p:nvPr>
-        </p:nvCxnSpPr>
-        <p:spPr>
-          <a:xfrm flipH="1" flipV="1">
-            <a:off x="6529388" y="-4763"/>
-            <a:ext cx="5662612" cy="931975"/>
-          </a:xfrm>
-          <a:prstGeom prst="line">
-            <a:avLst/>
-          </a:prstGeom>
-          <a:ln w="12700">
-            <a:solidFill>
-              <a:schemeClr val="accent2">
-                <a:alpha val="70000"/>
-              </a:schemeClr>
-            </a:solidFill>
-          </a:ln>
-        </p:spPr>
-        <p:style>
-          <a:lnRef idx="1">
-            <a:schemeClr val="accent1"/>
-          </a:lnRef>
-          <a:fillRef idx="0">
-            <a:schemeClr val="accent1"/>
-          </a:fillRef>
-          <a:effectRef idx="0">
-            <a:schemeClr val="accent1"/>
-          </a:effectRef>
-          <a:fontRef idx="minor">
-            <a:schemeClr val="tx1"/>
-          </a:fontRef>
-        </p:style>
-      </p:cxnSp>
-      <p:sp useBgFill="1">
-        <p:nvSpPr>
-          <p:cNvPr id="30" name="Rectangle 29">
-            <a:extLst>
-              <a:ext uri="{FF2B5EF4-FFF2-40B4-BE49-F238E27FC236}">
-                <a16:creationId xmlns:a16="http://schemas.microsoft.com/office/drawing/2014/main" id="{21FBE127-D2A6-4FA3-A6B9-B8FD1DE4BE39}"/>
-              </a:ext>
-              <a:ext uri="{C183D7F6-B498-43B3-948B-1728B52AA6E4}">
-                <adec:decorative xmlns:adec="http://schemas.microsoft.com/office/drawing/2017/decorative" val="1"/>
-              </a:ext>
-            </a:extLst>
-          </p:cNvPr>
-          <p:cNvSpPr>
-            <a:spLocks noGrp="1" noRot="1" noChangeAspect="1" noMove="1" noResize="1" noEditPoints="1" noAdjustHandles="1" noChangeArrowheads="1" noChangeShapeType="1" noTextEdit="1"/>
-          </p:cNvSpPr>
-          <p:nvPr>
-            <p:extLst>
-              <p:ext uri="{386F3935-93C4-4BCD-93E2-E3B085C9AB24}">
-                <p16:designElem xmlns:p16="http://schemas.microsoft.com/office/powerpoint/2015/main" val="1"/>
-              </p:ext>
-            </p:extLst>
-          </p:nvPr>
-        </p:nvSpPr>
-        <p:spPr>
-          <a:xfrm>
-            <a:off x="0" y="0"/>
-            <a:ext cx="12192000" cy="6858000"/>
-          </a:xfrm>
-          <a:prstGeom prst="rect">
-            <a:avLst/>
-          </a:prstGeom>
-          <a:ln w="12700" cap="flat" cmpd="sng" algn="ctr">
-            <a:noFill/>
-            <a:prstDash val="solid"/>
-            <a:miter lim="800000"/>
-          </a:ln>
-          <a:effectLst/>
-          <a:extLst>
-            <a:ext uri="{91240B29-F687-4F45-9708-019B960494DF}">
-              <a14:hiddenLine xmlns:a14="http://schemas.microsoft.com/office/drawing/2010/main" w="12700" cap="flat" cmpd="sng" algn="ctr">
-                <a:solidFill>
-                  <a:schemeClr val="accent1">
-                    <a:shade val="50000"/>
-                  </a:schemeClr>
-                </a:solidFill>
-                <a:prstDash val="solid"/>
-                <a:miter lim="800000"/>
-              </a14:hiddenLine>
-            </a:ext>
-          </a:extLst>
-        </p:spPr>
-        <p:style>
-          <a:lnRef idx="2">
-            <a:schemeClr val="accent1">
-              <a:shade val="50000"/>
-            </a:schemeClr>
-          </a:lnRef>
-          <a:fillRef idx="1">
-            <a:schemeClr val="accent1"/>
-          </a:fillRef>
-          <a:effectRef idx="0">
-            <a:schemeClr val="accent1"/>
-          </a:effectRef>
-          <a:fontRef idx="minor">
-            <a:schemeClr val="lt1"/>
-          </a:fontRef>
-        </p:style>
-        <p:txBody>
-          <a:bodyPr rtlCol="0" anchor="ctr"/>
-          <a:lstStyle/>
-          <a:p>
-            <a:pPr algn="ctr"/>
-            <a:endParaRPr lang="en-US"/>
-          </a:p>
-        </p:txBody>
-      </p:sp>
-      <p:sp>
-        <p:nvSpPr>
-          <p:cNvPr id="2" name="Title 1">
-            <a:extLst>
-              <a:ext uri="{FF2B5EF4-FFF2-40B4-BE49-F238E27FC236}">
-                <a16:creationId xmlns:a16="http://schemas.microsoft.com/office/drawing/2014/main" id="{59188FEA-7DE0-4C71-8DD9-2FBEDE300B40}"/>
-              </a:ext>
-            </a:extLst>
-          </p:cNvPr>
-          <p:cNvSpPr>
-            <a:spLocks noGrp="1"/>
-          </p:cNvSpPr>
-          <p:nvPr>
-            <p:ph type="title"/>
-          </p:nvPr>
-        </p:nvSpPr>
-        <p:spPr>
-          <a:xfrm>
-            <a:off x="7883603" y="523875"/>
-            <a:ext cx="3659554" cy="1690687"/>
-          </a:xfrm>
-        </p:spPr>
-        <p:txBody>
-          <a:bodyPr vert="horz" lIns="91440" tIns="45720" rIns="91440" bIns="45720" rtlCol="0" anchor="ctr">
-            <a:normAutofit/>
-          </a:bodyPr>
-          <a:lstStyle/>
-          <a:p>
-            <a:r>
-              <a:rPr lang="en-US" sz="4400" dirty="0"/>
-              <a:t>Process flow</a:t>
-            </a:r>
-          </a:p>
-        </p:txBody>
-      </p:sp>
-      <p:cxnSp>
-        <p:nvCxnSpPr>
-          <p:cNvPr id="32" name="Straight Connector 31">
-            <a:extLst>
-              <a:ext uri="{FF2B5EF4-FFF2-40B4-BE49-F238E27FC236}">
-                <a16:creationId xmlns:a16="http://schemas.microsoft.com/office/drawing/2014/main" id="{DDD9C044-4B08-47CC-852C-B22B09675A8C}"/>
-              </a:ext>
-              <a:ext uri="{C183D7F6-B498-43B3-948B-1728B52AA6E4}">
-                <adec:decorative xmlns:adec="http://schemas.microsoft.com/office/drawing/2017/decorative" val="1"/>
-              </a:ext>
-            </a:extLst>
-          </p:cNvPr>
-          <p:cNvCxnSpPr>
-            <a:cxnSpLocks noGrp="1" noRot="1" noChangeAspect="1" noMove="1" noResize="1" noEditPoints="1" noAdjustHandles="1" noChangeArrowheads="1" noChangeShapeType="1"/>
-          </p:cNvCxnSpPr>
-          <p:nvPr>
-            <p:extLst>
-              <p:ext uri="{386F3935-93C4-4BCD-93E2-E3B085C9AB24}">
-                <p16:designElem xmlns:p16="http://schemas.microsoft.com/office/powerpoint/2015/main" val="1"/>
-              </p:ext>
-            </p:extLst>
-          </p:nvPr>
-        </p:nvCxnSpPr>
-        <p:spPr>
-          <a:xfrm flipH="1">
-            <a:off x="0" y="0"/>
-            <a:ext cx="4948518" cy="1324535"/>
-          </a:xfrm>
-          <a:prstGeom prst="line">
-            <a:avLst/>
-          </a:prstGeom>
-          <a:ln w="12700">
-            <a:solidFill>
-              <a:schemeClr val="accent2">
-                <a:alpha val="70000"/>
-              </a:schemeClr>
-            </a:solidFill>
-          </a:ln>
-        </p:spPr>
-        <p:style>
-          <a:lnRef idx="1">
-            <a:schemeClr val="accent1"/>
-          </a:lnRef>
-          <a:fillRef idx="0">
-            <a:schemeClr val="accent1"/>
-          </a:fillRef>
-          <a:effectRef idx="0">
-            <a:schemeClr val="accent1"/>
-          </a:effectRef>
-          <a:fontRef idx="minor">
-            <a:schemeClr val="tx1"/>
-          </a:fontRef>
-        </p:style>
-      </p:cxnSp>
-      <p:cxnSp>
-        <p:nvCxnSpPr>
-          <p:cNvPr id="34" name="Straight Connector 33">
-            <a:extLst>
-              <a:ext uri="{FF2B5EF4-FFF2-40B4-BE49-F238E27FC236}">
-                <a16:creationId xmlns:a16="http://schemas.microsoft.com/office/drawing/2014/main" id="{5033687E-2F83-4E90-B11A-4B998C15403E}"/>
-              </a:ext>
-              <a:ext uri="{C183D7F6-B498-43B3-948B-1728B52AA6E4}">
-                <adec:decorative xmlns:adec="http://schemas.microsoft.com/office/drawing/2017/decorative" val="1"/>
-              </a:ext>
-            </a:extLst>
-          </p:cNvPr>
-          <p:cNvCxnSpPr>
-            <a:cxnSpLocks noGrp="1" noRot="1" noChangeAspect="1" noMove="1" noResize="1" noEditPoints="1" noAdjustHandles="1" noChangeArrowheads="1" noChangeShapeType="1"/>
-          </p:cNvCxnSpPr>
-          <p:nvPr>
-            <p:extLst>
-              <p:ext uri="{386F3935-93C4-4BCD-93E2-E3B085C9AB24}">
-                <p16:designElem xmlns:p16="http://schemas.microsoft.com/office/powerpoint/2015/main" val="1"/>
-              </p:ext>
-            </p:extLst>
-          </p:nvPr>
-        </p:nvCxnSpPr>
-        <p:spPr>
-          <a:xfrm flipH="1">
-            <a:off x="0" y="0"/>
-            <a:ext cx="818708" cy="6427381"/>
-          </a:xfrm>
-          <a:prstGeom prst="line">
-            <a:avLst/>
-          </a:prstGeom>
-          <a:ln w="12700">
-            <a:solidFill>
-              <a:schemeClr val="accent2">
-                <a:alpha val="70000"/>
-              </a:schemeClr>
-            </a:solidFill>
-          </a:ln>
-        </p:spPr>
-        <p:style>
-          <a:lnRef idx="1">
-            <a:schemeClr val="accent1"/>
-          </a:lnRef>
-          <a:fillRef idx="0">
-            <a:schemeClr val="accent1"/>
-          </a:fillRef>
-          <a:effectRef idx="0">
-            <a:schemeClr val="accent1"/>
-          </a:effectRef>
-          <a:fontRef idx="minor">
-            <a:schemeClr val="tx1"/>
-          </a:fontRef>
-        </p:style>
-      </p:cxnSp>
-      <p:cxnSp>
-        <p:nvCxnSpPr>
-          <p:cNvPr id="36" name="Straight Connector 35">
-            <a:extLst>
-              <a:ext uri="{FF2B5EF4-FFF2-40B4-BE49-F238E27FC236}">
-                <a16:creationId xmlns:a16="http://schemas.microsoft.com/office/drawing/2014/main" id="{D292DBC3-1A72-41ED-8432-D0D64FD63148}"/>
-              </a:ext>
-              <a:ext uri="{C183D7F6-B498-43B3-948B-1728B52AA6E4}">
-                <adec:decorative xmlns:adec="http://schemas.microsoft.com/office/drawing/2017/decorative" val="1"/>
-              </a:ext>
-            </a:extLst>
-          </p:cNvPr>
-          <p:cNvCxnSpPr>
-            <a:cxnSpLocks noGrp="1" noRot="1" noChangeAspect="1" noMove="1" noResize="1" noEditPoints="1" noAdjustHandles="1" noChangeArrowheads="1" noChangeShapeType="1"/>
-          </p:cNvCxnSpPr>
-          <p:nvPr>
-            <p:extLst>
-              <p:ext uri="{386F3935-93C4-4BCD-93E2-E3B085C9AB24}">
-                <p16:designElem xmlns:p16="http://schemas.microsoft.com/office/powerpoint/2015/main" val="1"/>
-              </p:ext>
-            </p:extLst>
-          </p:nvPr>
-        </p:nvCxnSpPr>
-        <p:spPr>
-          <a:xfrm flipH="1" flipV="1">
-            <a:off x="-1" y="2743200"/>
-            <a:ext cx="4477872" cy="4114800"/>
-          </a:xfrm>
-          <a:prstGeom prst="line">
-            <a:avLst/>
-          </a:prstGeom>
-          <a:ln w="12700">
-            <a:solidFill>
-              <a:schemeClr val="accent2">
-                <a:alpha val="70000"/>
-              </a:schemeClr>
-            </a:solidFill>
-          </a:ln>
-        </p:spPr>
-        <p:style>
-          <a:lnRef idx="1">
-            <a:schemeClr val="accent1"/>
-          </a:lnRef>
-          <a:fillRef idx="0">
-            <a:schemeClr val="accent1"/>
-          </a:fillRef>
-          <a:effectRef idx="0">
-            <a:schemeClr val="accent1"/>
-          </a:effectRef>
-          <a:fontRef idx="minor">
-            <a:schemeClr val="tx1"/>
-          </a:fontRef>
-        </p:style>
-      </p:cxnSp>
       <p:pic>
         <p:nvPicPr>
-          <p:cNvPr id="11" name="Content Placeholder 10" descr="Diagram&#10;&#10;Description automatically generated">
-            <a:extLst>
-              <a:ext uri="{FF2B5EF4-FFF2-40B4-BE49-F238E27FC236}">
-                <a16:creationId xmlns:a16="http://schemas.microsoft.com/office/drawing/2014/main" id="{02A50FF0-C51B-4EA2-AB34-53020DAF1233}"/>
+          <p:cNvPr id="13" name="Content Placeholder 12" descr="A picture containing timeline&#10;&#10;Description automatically generated">
+            <a:extLst>
+              <a:ext uri="{FF2B5EF4-FFF2-40B4-BE49-F238E27FC236}">
+                <a16:creationId xmlns:a16="http://schemas.microsoft.com/office/drawing/2014/main" id="{010A1C44-8A5E-47E1-BBE5-8D7093EC07AD}"/>
               </a:ext>
             </a:extLst>
           </p:cNvPr>
@@ -6050,7 +5399,7 @@
             <a:picLocks noGrp="1" noChangeAspect="1"/>
           </p:cNvPicPr>
           <p:nvPr>
-            <p:ph idx="1"/>
+            <p:ph idx="4294967295"/>
           </p:nvPr>
         </p:nvPicPr>
         <p:blipFill>
@@ -6067,142 +5416,279 @@
         </p:blipFill>
         <p:spPr>
           <a:xfrm>
-            <a:off x="64565" y="685800"/>
-            <a:ext cx="7733978" cy="5816320"/>
+            <a:off x="0" y="6350"/>
+            <a:ext cx="8934450" cy="6846888"/>
+          </a:xfrm>
+        </p:spPr>
+      </p:pic>
+      <p:sp>
+        <p:nvSpPr>
+          <p:cNvPr id="38" name="TextBox 37">
+            <a:extLst>
+              <a:ext uri="{FF2B5EF4-FFF2-40B4-BE49-F238E27FC236}">
+                <a16:creationId xmlns:a16="http://schemas.microsoft.com/office/drawing/2014/main" id="{3E85A04C-38D0-488C-AF7E-4072460F9521}"/>
+              </a:ext>
+            </a:extLst>
+          </p:cNvPr>
+          <p:cNvSpPr txBox="1"/>
+          <p:nvPr/>
+        </p:nvSpPr>
+        <p:spPr>
+          <a:xfrm>
+            <a:off x="9146526" y="866775"/>
+            <a:ext cx="2721051" cy="1446550"/>
           </a:xfrm>
           <a:prstGeom prst="rect">
             <a:avLst/>
           </a:prstGeom>
+          <a:noFill/>
         </p:spPr>
-      </p:pic>
-      <p:sp>
-        <p:nvSpPr>
-          <p:cNvPr id="4" name="Text Placeholder 3">
-            <a:extLst>
-              <a:ext uri="{FF2B5EF4-FFF2-40B4-BE49-F238E27FC236}">
-                <a16:creationId xmlns:a16="http://schemas.microsoft.com/office/drawing/2014/main" id="{68E058B4-C3A4-428D-A2DA-D724CE77B412}"/>
-              </a:ext>
-            </a:extLst>
-          </p:cNvPr>
-          <p:cNvSpPr>
-            <a:spLocks noGrp="1"/>
-          </p:cNvSpPr>
-          <p:nvPr>
-            <p:ph type="body" sz="half" idx="2"/>
-          </p:nvPr>
+        <p:txBody>
+          <a:bodyPr wrap="square">
+            <a:spAutoFit/>
+          </a:bodyPr>
+          <a:lstStyle/>
+          <a:p>
+            <a:r>
+              <a:rPr kumimoji="0" lang="en-US" sz="4400" b="0" i="1" u="none" strike="noStrike" kern="1200" cap="all" spc="0" normalizeH="0" baseline="0" noProof="0" dirty="0">
+                <a:ln>
+                  <a:noFill/>
+                </a:ln>
+                <a:solidFill>
+                  <a:srgbClr val="243841"/>
+                </a:solidFill>
+                <a:effectLst/>
+                <a:uLnTx/>
+                <a:uFillTx/>
+                <a:latin typeface="Walbaum Display Light"/>
+                <a:ea typeface="+mj-ea"/>
+                <a:cs typeface="+mj-cs"/>
+              </a:rPr>
+              <a:t>Process flow</a:t>
+            </a:r>
+            <a:endParaRPr lang="en-US" dirty="0"/>
+          </a:p>
+        </p:txBody>
+      </p:sp>
+      <p:sp>
+        <p:nvSpPr>
+          <p:cNvPr id="40" name="TextBox 39">
+            <a:extLst>
+              <a:ext uri="{FF2B5EF4-FFF2-40B4-BE49-F238E27FC236}">
+                <a16:creationId xmlns:a16="http://schemas.microsoft.com/office/drawing/2014/main" id="{23B1D0CE-3EBD-4910-935E-3040ABC97783}"/>
+              </a:ext>
+            </a:extLst>
+          </p:cNvPr>
+          <p:cNvSpPr txBox="1"/>
+          <p:nvPr/>
         </p:nvSpPr>
         <p:spPr>
           <a:xfrm>
-            <a:off x="7883603" y="2290763"/>
-            <a:ext cx="3819686" cy="4033837"/>
+            <a:off x="8969656" y="2485152"/>
+            <a:ext cx="3074789" cy="1887696"/>
           </a:xfrm>
+          <a:prstGeom prst="rect">
+            <a:avLst/>
+          </a:prstGeom>
+          <a:noFill/>
         </p:spPr>
         <p:txBody>
-          <a:bodyPr vert="horz" lIns="91440" tIns="45720" rIns="91440" bIns="45720" rtlCol="0" anchor="t">
-            <a:normAutofit/>
+          <a:bodyPr wrap="square">
+            <a:spAutoFit/>
           </a:bodyPr>
           <a:lstStyle/>
           <a:p>
-            <a:pPr marL="285750" indent="-228600">
+            <a:pPr marL="285750" marR="0" lvl="0" indent="-228600" algn="l" defTabSz="914400" rtl="0" eaLnBrk="1" fontAlgn="auto" latinLnBrk="0" hangingPunct="1">
+              <a:lnSpc>
+                <a:spcPct val="100000"/>
+              </a:lnSpc>
+              <a:spcBef>
+                <a:spcPts val="1000"/>
+              </a:spcBef>
+              <a:spcAft>
+                <a:spcPts val="0"/>
+              </a:spcAft>
+              <a:buClrTx/>
+              <a:buSzPct val="80000"/>
               <a:buFont typeface="Arial" panose="020B0604020202020204" pitchFamily="34" charset="0"/>
               <a:buChar char="•"/>
+              <a:tabLst/>
+              <a:defRPr/>
             </a:pPr>
             <a:r>
-              <a:rPr lang="en-US" dirty="0" err="1"/>
+              <a:rPr kumimoji="0" lang="en-US" sz="1600" b="0" i="0" u="none" strike="noStrike" kern="1200" cap="none" spc="0" normalizeH="0" baseline="0" noProof="0" dirty="0" err="1">
+                <a:ln>
+                  <a:noFill/>
+                </a:ln>
+                <a:solidFill>
+                  <a:srgbClr val="243841"/>
+                </a:solidFill>
+                <a:effectLst/>
+                <a:uLnTx/>
+                <a:uFillTx/>
+                <a:latin typeface="Univers Condensed Light"/>
+                <a:ea typeface="+mn-ea"/>
+                <a:cs typeface="+mn-cs"/>
+              </a:rPr>
               <a:t>dApp</a:t>
             </a:r>
-            <a:endParaRPr lang="en-US" dirty="0"/>
-          </a:p>
-          <a:p>
-            <a:pPr marL="742950" lvl="1" indent="-228600">
+            <a:endParaRPr kumimoji="0" lang="en-US" sz="1600" b="0" i="0" u="none" strike="noStrike" kern="1200" cap="none" spc="0" normalizeH="0" baseline="0" noProof="0" dirty="0">
+              <a:ln>
+                <a:noFill/>
+              </a:ln>
+              <a:solidFill>
+                <a:srgbClr val="243841"/>
+              </a:solidFill>
+              <a:effectLst/>
+              <a:uLnTx/>
+              <a:uFillTx/>
+              <a:latin typeface="Univers Condensed Light"/>
+              <a:ea typeface="+mn-ea"/>
+              <a:cs typeface="+mn-cs"/>
+            </a:endParaRPr>
+          </a:p>
+          <a:p>
+            <a:pPr marL="742950" marR="0" lvl="1" indent="-228600" algn="l" defTabSz="914400" rtl="0" eaLnBrk="1" fontAlgn="auto" latinLnBrk="0" hangingPunct="1">
+              <a:lnSpc>
+                <a:spcPct val="100000"/>
+              </a:lnSpc>
+              <a:spcBef>
+                <a:spcPts val="500"/>
+              </a:spcBef>
+              <a:spcAft>
+                <a:spcPts val="0"/>
+              </a:spcAft>
+              <a:buClrTx/>
+              <a:buSzPct val="80000"/>
               <a:buFont typeface="Arial" panose="020B0604020202020204" pitchFamily="34" charset="0"/>
               <a:buChar char="•"/>
+              <a:tabLst/>
+              <a:defRPr/>
             </a:pPr>
             <a:r>
-              <a:rPr lang="en-US" dirty="0"/>
-              <a:t>Connects to IPFS to capture images</a:t>
-            </a:r>
-          </a:p>
-          <a:p>
-            <a:pPr marL="742950" lvl="1" indent="-228600">
+              <a:rPr kumimoji="0" lang="en-US" sz="1400" b="0" i="0" u="none" strike="noStrike" kern="1200" cap="none" spc="0" normalizeH="0" baseline="0" noProof="0" dirty="0">
+                <a:ln>
+                  <a:noFill/>
+                </a:ln>
+                <a:solidFill>
+                  <a:srgbClr val="243841"/>
+                </a:solidFill>
+                <a:effectLst/>
+                <a:uLnTx/>
+                <a:uFillTx/>
+                <a:latin typeface="Univers Condensed Light"/>
+                <a:ea typeface="+mn-ea"/>
+                <a:cs typeface="+mn-cs"/>
+              </a:rPr>
+              <a:t>Connects to IPFS to store images</a:t>
+            </a:r>
+          </a:p>
+          <a:p>
+            <a:pPr marL="742950" marR="0" lvl="1" indent="-228600" algn="l" defTabSz="914400" rtl="0" eaLnBrk="1" fontAlgn="auto" latinLnBrk="0" hangingPunct="1">
+              <a:lnSpc>
+                <a:spcPct val="100000"/>
+              </a:lnSpc>
+              <a:spcBef>
+                <a:spcPts val="500"/>
+              </a:spcBef>
+              <a:spcAft>
+                <a:spcPts val="0"/>
+              </a:spcAft>
+              <a:buClrTx/>
+              <a:buSzPct val="80000"/>
               <a:buFont typeface="Arial" panose="020B0604020202020204" pitchFamily="34" charset="0"/>
               <a:buChar char="•"/>
+              <a:tabLst/>
+              <a:defRPr/>
             </a:pPr>
             <a:r>
-              <a:rPr lang="en-US" dirty="0"/>
+              <a:rPr kumimoji="0" lang="en-US" sz="1400" b="0" i="0" u="none" strike="noStrike" kern="1200" cap="none" spc="0" normalizeH="0" baseline="0" noProof="0" dirty="0">
+                <a:ln>
+                  <a:noFill/>
+                </a:ln>
+                <a:solidFill>
+                  <a:srgbClr val="243841"/>
+                </a:solidFill>
+                <a:effectLst/>
+                <a:uLnTx/>
+                <a:uFillTx/>
+                <a:latin typeface="Univers Condensed Light"/>
+                <a:ea typeface="+mn-ea"/>
+                <a:cs typeface="+mn-cs"/>
+              </a:rPr>
               <a:t>Connects to Python to run calculations</a:t>
             </a:r>
           </a:p>
           <a:p>
-            <a:pPr marL="742950" lvl="1" indent="-228600">
+            <a:pPr marL="742950" marR="0" lvl="1" indent="-228600" algn="l" defTabSz="914400" rtl="0" eaLnBrk="1" fontAlgn="auto" latinLnBrk="0" hangingPunct="1">
+              <a:lnSpc>
+                <a:spcPct val="100000"/>
+              </a:lnSpc>
+              <a:spcBef>
+                <a:spcPts val="500"/>
+              </a:spcBef>
+              <a:spcAft>
+                <a:spcPts val="0"/>
+              </a:spcAft>
+              <a:buClrTx/>
+              <a:buSzPct val="80000"/>
               <a:buFont typeface="Arial" panose="020B0604020202020204" pitchFamily="34" charset="0"/>
               <a:buChar char="•"/>
+              <a:tabLst/>
+              <a:defRPr/>
             </a:pPr>
             <a:r>
-              <a:rPr lang="en-US" dirty="0"/>
-              <a:t>Connect to Solidity to run contracts and add to blockchain</a:t>
-            </a:r>
-          </a:p>
-        </p:txBody>
-      </p:sp>
-      <p:cxnSp>
-        <p:nvCxnSpPr>
-          <p:cNvPr id="38" name="Straight Connector 37">
-            <a:extLst>
-              <a:ext uri="{FF2B5EF4-FFF2-40B4-BE49-F238E27FC236}">
-                <a16:creationId xmlns:a16="http://schemas.microsoft.com/office/drawing/2014/main" id="{99309E4A-5F81-4CAB-B5DB-AB4EB90C7126}"/>
-              </a:ext>
-              <a:ext uri="{C183D7F6-B498-43B3-948B-1728B52AA6E4}">
-                <adec:decorative xmlns:adec="http://schemas.microsoft.com/office/drawing/2017/decorative" val="1"/>
-              </a:ext>
-            </a:extLst>
-          </p:cNvPr>
-          <p:cNvCxnSpPr>
-            <a:cxnSpLocks noGrp="1" noRot="1" noChangeAspect="1" noMove="1" noResize="1" noEditPoints="1" noAdjustHandles="1" noChangeArrowheads="1" noChangeShapeType="1"/>
-          </p:cNvCxnSpPr>
-          <p:nvPr>
-            <p:extLst>
-              <p:ext uri="{386F3935-93C4-4BCD-93E2-E3B085C9AB24}">
-                <p16:designElem xmlns:p16="http://schemas.microsoft.com/office/powerpoint/2015/main" val="1"/>
-              </p:ext>
-            </p:extLst>
-          </p:nvPr>
-        </p:nvCxnSpPr>
-        <p:spPr>
-          <a:xfrm flipH="1">
-            <a:off x="11602477" y="2548218"/>
-            <a:ext cx="589522" cy="4309782"/>
-          </a:xfrm>
-          <a:prstGeom prst="line">
-            <a:avLst/>
-          </a:prstGeom>
-          <a:ln w="12700">
-            <a:solidFill>
-              <a:schemeClr val="accent2">
-                <a:alpha val="70000"/>
-              </a:schemeClr>
-            </a:solidFill>
-          </a:ln>
-        </p:spPr>
-        <p:style>
-          <a:lnRef idx="1">
-            <a:schemeClr val="accent1"/>
-          </a:lnRef>
-          <a:fillRef idx="0">
-            <a:schemeClr val="accent1"/>
-          </a:fillRef>
-          <a:effectRef idx="0">
-            <a:schemeClr val="accent1"/>
-          </a:effectRef>
-          <a:fontRef idx="minor">
-            <a:schemeClr val="tx1"/>
-          </a:fontRef>
-        </p:style>
-      </p:cxnSp>
+              <a:rPr kumimoji="0" lang="en-US" sz="1400" b="0" i="0" u="none" strike="noStrike" kern="1200" cap="none" spc="0" normalizeH="0" baseline="0" noProof="0" dirty="0">
+                <a:ln>
+                  <a:noFill/>
+                </a:ln>
+                <a:solidFill>
+                  <a:srgbClr val="243841"/>
+                </a:solidFill>
+                <a:effectLst/>
+                <a:uLnTx/>
+                <a:uFillTx/>
+                <a:latin typeface="Univers Condensed Light"/>
+                <a:ea typeface="+mn-ea"/>
+                <a:cs typeface="+mn-cs"/>
+              </a:rPr>
+              <a:t>Connects to Solidity to run contracts and add to blockchain</a:t>
+            </a:r>
+          </a:p>
+          <a:p>
+            <a:pPr marL="742950" lvl="1" indent="-228600">
+              <a:spcBef>
+                <a:spcPts val="500"/>
+              </a:spcBef>
+              <a:buSzPct val="80000"/>
+              <a:buFont typeface="Arial" panose="020B0604020202020204" pitchFamily="34" charset="0"/>
+              <a:buChar char="•"/>
+              <a:defRPr/>
+            </a:pPr>
+            <a:r>
+              <a:rPr kumimoji="0" lang="en-US" sz="1400" b="0" i="0" u="none" strike="noStrike" kern="1200" cap="none" spc="0" normalizeH="0" baseline="0" noProof="0" dirty="0">
+                <a:ln>
+                  <a:noFill/>
+                </a:ln>
+                <a:solidFill>
+                  <a:srgbClr val="243841"/>
+                </a:solidFill>
+                <a:effectLst/>
+                <a:uLnTx/>
+                <a:uFillTx/>
+                <a:latin typeface="Univers Condensed Light"/>
+                <a:ea typeface="+mn-ea"/>
+                <a:cs typeface="+mn-cs"/>
+              </a:rPr>
+              <a:t>AJAX for integration</a:t>
+            </a:r>
+          </a:p>
+        </p:txBody>
+      </p:sp>
     </p:spTree>
     <p:extLst>
       <p:ext uri="{BB962C8B-B14F-4D97-AF65-F5344CB8AC3E}">
-        <p14:creationId xmlns:p14="http://schemas.microsoft.com/office/powerpoint/2010/main" val="3303036029"/>
+        <p14:creationId xmlns:p14="http://schemas.microsoft.com/office/powerpoint/2010/main" val="4038976215"/>
       </p:ext>
     </p:extLst>
   </p:cSld>

--- a/Living Healthy.pptx
+++ b/Living Healthy.pptx
@@ -273,7 +273,7 @@
           <a:p>
             <a:fld id="{11EAACC7-3B3F-47D1-959A-EF58926E955E}" type="datetimeFigureOut">
               <a:rPr lang="en-US" smtClean="0"/>
-              <a:t>10/18/2020</a:t>
+              <a:t>10/20/2020</a:t>
             </a:fld>
             <a:endParaRPr lang="en-US"/>
           </a:p>
@@ -471,7 +471,7 @@
           <a:p>
             <a:fld id="{11EAACC7-3B3F-47D1-959A-EF58926E955E}" type="datetimeFigureOut">
               <a:rPr lang="en-US" smtClean="0"/>
-              <a:t>10/18/2020</a:t>
+              <a:t>10/20/2020</a:t>
             </a:fld>
             <a:endParaRPr lang="en-US"/>
           </a:p>
@@ -679,7 +679,7 @@
           <a:p>
             <a:fld id="{11EAACC7-3B3F-47D1-959A-EF58926E955E}" type="datetimeFigureOut">
               <a:rPr lang="en-US" smtClean="0"/>
-              <a:t>10/18/2020</a:t>
+              <a:t>10/20/2020</a:t>
             </a:fld>
             <a:endParaRPr lang="en-US"/>
           </a:p>
@@ -908,7 +908,7 @@
           <a:p>
             <a:fld id="{11EAACC7-3B3F-47D1-959A-EF58926E955E}" type="datetimeFigureOut">
               <a:rPr lang="en-US" smtClean="0"/>
-              <a:t>10/18/2020</a:t>
+              <a:t>10/20/2020</a:t>
             </a:fld>
             <a:endParaRPr lang="en-US" dirty="0"/>
           </a:p>
@@ -1183,7 +1183,7 @@
           <a:p>
             <a:fld id="{11EAACC7-3B3F-47D1-959A-EF58926E955E}" type="datetimeFigureOut">
               <a:rPr lang="en-US" smtClean="0"/>
-              <a:t>10/18/2020</a:t>
+              <a:t>10/20/2020</a:t>
             </a:fld>
             <a:endParaRPr lang="en-US"/>
           </a:p>
@@ -1449,7 +1449,7 @@
           <a:p>
             <a:fld id="{11EAACC7-3B3F-47D1-959A-EF58926E955E}" type="datetimeFigureOut">
               <a:rPr lang="en-US" smtClean="0"/>
-              <a:t>10/18/2020</a:t>
+              <a:t>10/20/2020</a:t>
             </a:fld>
             <a:endParaRPr lang="en-US"/>
           </a:p>
@@ -1866,7 +1866,7 @@
           <a:p>
             <a:fld id="{11EAACC7-3B3F-47D1-959A-EF58926E955E}" type="datetimeFigureOut">
               <a:rPr lang="en-US" smtClean="0"/>
-              <a:t>10/18/2020</a:t>
+              <a:t>10/20/2020</a:t>
             </a:fld>
             <a:endParaRPr lang="en-US"/>
           </a:p>
@@ -2007,7 +2007,7 @@
           <a:p>
             <a:fld id="{11EAACC7-3B3F-47D1-959A-EF58926E955E}" type="datetimeFigureOut">
               <a:rPr lang="en-US" smtClean="0"/>
-              <a:t>10/18/2020</a:t>
+              <a:t>10/20/2020</a:t>
             </a:fld>
             <a:endParaRPr lang="en-US"/>
           </a:p>
@@ -2120,7 +2120,7 @@
           <a:p>
             <a:fld id="{11EAACC7-3B3F-47D1-959A-EF58926E955E}" type="datetimeFigureOut">
               <a:rPr lang="en-US" smtClean="0"/>
-              <a:t>10/18/2020</a:t>
+              <a:t>10/20/2020</a:t>
             </a:fld>
             <a:endParaRPr lang="en-US"/>
           </a:p>
@@ -2431,7 +2431,7 @@
           <a:p>
             <a:fld id="{11EAACC7-3B3F-47D1-959A-EF58926E955E}" type="datetimeFigureOut">
               <a:rPr lang="en-US" smtClean="0"/>
-              <a:t>10/18/2020</a:t>
+              <a:t>10/20/2020</a:t>
             </a:fld>
             <a:endParaRPr lang="en-US"/>
           </a:p>
@@ -2722,7 +2722,7 @@
           <a:p>
             <a:fld id="{11EAACC7-3B3F-47D1-959A-EF58926E955E}" type="datetimeFigureOut">
               <a:rPr lang="en-US" smtClean="0"/>
-              <a:t>10/18/2020</a:t>
+              <a:t>10/20/2020</a:t>
             </a:fld>
             <a:endParaRPr lang="en-US"/>
           </a:p>
@@ -3279,7 +3279,7 @@
           <a:p>
             <a:fld id="{11EAACC7-3B3F-47D1-959A-EF58926E955E}" type="datetimeFigureOut">
               <a:rPr lang="en-US" smtClean="0"/>
-              <a:t>10/18/2020</a:t>
+              <a:t>10/20/2020</a:t>
             </a:fld>
             <a:endParaRPr lang="en-US"/>
           </a:p>
@@ -4236,7 +4236,7 @@
             </a:r>
             <a:r>
               <a:rPr lang="en-US" dirty="0"/>
-              <a:t> that companies can use to motivate their employees to make healthy choices. Through this process, companies mint their own coins to pay out to their employees as they complete “healthy” tasks and challenges. Those employees are then able to cash out their coins from real money.</a:t>
+              <a:t> that companies can use to motivate their employees to make healthy choices. Through this process, companies mint their own coins to entice their employees to complete “healthy” tasks and challenges. Those employees are then able to cash out their coins from real money.</a:t>
             </a:r>
           </a:p>
         </p:txBody>
@@ -5548,6 +5548,34 @@
             </a:endParaRPr>
           </a:p>
           <a:p>
+            <a:pPr marL="742950" lvl="1" indent="-228600">
+              <a:spcBef>
+                <a:spcPts val="500"/>
+              </a:spcBef>
+              <a:buSzPct val="80000"/>
+              <a:buFont typeface="Arial" panose="020B0604020202020204" pitchFamily="34" charset="0"/>
+              <a:buChar char="•"/>
+              <a:defRPr/>
+            </a:pPr>
+            <a:r>
+              <a:rPr kumimoji="0" lang="en-US" sz="1400" b="0" i="0" u="none" strike="noStrike" kern="1200" cap="none" spc="0" normalizeH="0" baseline="0" noProof="0" dirty="0">
+                <a:ln>
+                  <a:noFill/>
+                </a:ln>
+                <a:solidFill>
+                  <a:srgbClr val="243841"/>
+                </a:solidFill>
+                <a:effectLst/>
+                <a:uLnTx/>
+                <a:uFillTx/>
+                <a:latin typeface="Univers Condensed Light"/>
+                <a:ea typeface="+mn-ea"/>
+                <a:cs typeface="+mn-cs"/>
+              </a:rPr>
+              <a:t>Connects to Python to run calculations</a:t>
+            </a:r>
+          </a:p>
+          <a:p>
             <a:pPr marL="742950" marR="0" lvl="1" indent="-228600" algn="l" defTabSz="914400" rtl="0" eaLnBrk="1" fontAlgn="auto" latinLnBrk="0" hangingPunct="1">
               <a:lnSpc>
                 <a:spcPct val="100000"/>
@@ -5581,42 +5609,6 @@
                 <a:cs typeface="+mn-cs"/>
               </a:rPr>
               <a:t>Connects to IPFS to store images</a:t>
-            </a:r>
-          </a:p>
-          <a:p>
-            <a:pPr marL="742950" marR="0" lvl="1" indent="-228600" algn="l" defTabSz="914400" rtl="0" eaLnBrk="1" fontAlgn="auto" latinLnBrk="0" hangingPunct="1">
-              <a:lnSpc>
-                <a:spcPct val="100000"/>
-              </a:lnSpc>
-              <a:spcBef>
-                <a:spcPts val="500"/>
-              </a:spcBef>
-              <a:spcAft>
-                <a:spcPts val="0"/>
-              </a:spcAft>
-              <a:buClrTx/>
-              <a:buSzPct val="80000"/>
-              <a:buFont typeface="Arial" panose="020B0604020202020204" pitchFamily="34" charset="0"/>
-              <a:buChar char="•"/>
-              <a:tabLst/>
-              <a:defRPr/>
-            </a:pPr>
-            <a:r>
-              <a:rPr kumimoji="0" lang="en-US" sz="1400" b="0" i="0" u="none" strike="noStrike" kern="1200" cap="none" spc="0" normalizeH="0" baseline="0" noProof="0" dirty="0">
-                <a:ln>
-                  <a:noFill/>
-                </a:ln>
-                <a:solidFill>
-                  <a:srgbClr val="243841"/>
-                </a:solidFill>
-                <a:effectLst/>
-                <a:uLnTx/>
-                <a:uFillTx/>
-                <a:latin typeface="Univers Condensed Light"/>
-                <a:ea typeface="+mn-ea"/>
-                <a:cs typeface="+mn-cs"/>
-              </a:rPr>
-              <a:t>Connects to Python to run calculations</a:t>
             </a:r>
           </a:p>
           <a:p>

--- a/Living Healthy.pptx
+++ b/Living Healthy.pptx
@@ -4453,7 +4453,12 @@
             <p:ph type="title"/>
           </p:nvPr>
         </p:nvSpPr>
-        <p:spPr/>
+        <p:spPr>
+          <a:xfrm>
+            <a:off x="839788" y="435006"/>
+            <a:ext cx="3932237" cy="923925"/>
+          </a:xfrm>
+        </p:spPr>
         <p:txBody>
           <a:bodyPr/>
           <a:lstStyle/>
@@ -4465,34 +4470,41 @@
           </a:p>
         </p:txBody>
       </p:sp>
-      <p:sp>
-        <p:nvSpPr>
-          <p:cNvPr id="3" name="Content Placeholder 2">
-            <a:extLst>
-              <a:ext uri="{FF2B5EF4-FFF2-40B4-BE49-F238E27FC236}">
-                <a16:creationId xmlns:a16="http://schemas.microsoft.com/office/drawing/2014/main" id="{A6EA4401-96F5-4A3D-8BD5-2964B366AF2E}"/>
-              </a:ext>
-            </a:extLst>
-          </p:cNvPr>
-          <p:cNvSpPr>
-            <a:spLocks noGrp="1"/>
-          </p:cNvSpPr>
+      <p:pic>
+        <p:nvPicPr>
+          <p:cNvPr id="6" name="Content Placeholder 5" descr="Graphical user interface, application, Teams&#10;&#10;Description automatically generated">
+            <a:extLst>
+              <a:ext uri="{FF2B5EF4-FFF2-40B4-BE49-F238E27FC236}">
+                <a16:creationId xmlns:a16="http://schemas.microsoft.com/office/drawing/2014/main" id="{7E4F4750-4A0C-474E-A804-94AEE0AAC16C}"/>
+              </a:ext>
+            </a:extLst>
+          </p:cNvPr>
+          <p:cNvPicPr>
+            <a:picLocks noGrp="1" noChangeAspect="1"/>
+          </p:cNvPicPr>
           <p:nvPr>
             <p:ph idx="1"/>
           </p:nvPr>
-        </p:nvSpPr>
-        <p:spPr/>
-        <p:txBody>
-          <a:bodyPr/>
-          <a:lstStyle/>
-          <a:p>
-            <a:r>
-              <a:rPr lang="en-US" dirty="0"/>
-              <a:t>&lt;add image from Aaron’s web page&gt;</a:t>
-            </a:r>
-          </a:p>
-        </p:txBody>
-      </p:sp>
+        </p:nvPicPr>
+        <p:blipFill>
+          <a:blip r:embed="rId2">
+            <a:extLst>
+              <a:ext uri="{28A0092B-C50C-407E-A947-70E740481C1C}">
+                <a14:useLocalDpi xmlns:a14="http://schemas.microsoft.com/office/drawing/2010/main" val="0"/>
+              </a:ext>
+            </a:extLst>
+          </a:blip>
+          <a:stretch>
+            <a:fillRect/>
+          </a:stretch>
+        </p:blipFill>
+        <p:spPr>
+          <a:xfrm>
+            <a:off x="16536" y="3275861"/>
+            <a:ext cx="12180813" cy="3582140"/>
+          </a:xfrm>
+        </p:spPr>
+      </p:pic>
       <p:sp>
         <p:nvSpPr>
           <p:cNvPr id="4" name="Text Placeholder 3">
@@ -4509,9 +4521,16 @@
             <p:ph type="body" sz="half" idx="2"/>
           </p:nvPr>
         </p:nvSpPr>
-        <p:spPr/>
-        <p:txBody>
-          <a:bodyPr/>
+        <p:spPr>
+          <a:xfrm>
+            <a:off x="839788" y="1358930"/>
+            <a:ext cx="10856912" cy="1819275"/>
+          </a:xfrm>
+        </p:spPr>
+        <p:txBody>
+          <a:bodyPr numCol="2">
+            <a:normAutofit/>
+          </a:bodyPr>
           <a:lstStyle/>
           <a:p>
             <a:pPr marL="285750" indent="-285750">
@@ -4611,7 +4630,12 @@
             <p:ph type="title"/>
           </p:nvPr>
         </p:nvSpPr>
-        <p:spPr/>
+        <p:spPr>
+          <a:xfrm>
+            <a:off x="839788" y="457200"/>
+            <a:ext cx="3932237" cy="990600"/>
+          </a:xfrm>
+        </p:spPr>
         <p:txBody>
           <a:bodyPr/>
           <a:lstStyle/>
@@ -4630,421 +4654,49 @@
           </a:p>
         </p:txBody>
       </p:sp>
-      <p:sp>
-        <p:nvSpPr>
-          <p:cNvPr id="5" name="Content Placeholder 4">
-            <a:extLst>
-              <a:ext uri="{FF2B5EF4-FFF2-40B4-BE49-F238E27FC236}">
-                <a16:creationId xmlns:a16="http://schemas.microsoft.com/office/drawing/2014/main" id="{5EE254DB-6988-44C7-9AAC-9CA1CD77217A}"/>
-              </a:ext>
-            </a:extLst>
-          </p:cNvPr>
-          <p:cNvSpPr>
-            <a:spLocks noGrp="1"/>
-          </p:cNvSpPr>
+      <p:pic>
+        <p:nvPicPr>
+          <p:cNvPr id="6" name="Content Placeholder 5" descr="Graphical user interface, text, application&#10;&#10;Description automatically generated">
+            <a:extLst>
+              <a:ext uri="{FF2B5EF4-FFF2-40B4-BE49-F238E27FC236}">
+                <a16:creationId xmlns:a16="http://schemas.microsoft.com/office/drawing/2014/main" id="{0654AF2C-60EC-4EED-97C4-628AA64F2708}"/>
+              </a:ext>
+            </a:extLst>
+          </p:cNvPr>
+          <p:cNvPicPr>
+            <a:picLocks noGrp="1" noChangeAspect="1"/>
+          </p:cNvPicPr>
           <p:nvPr>
             <p:ph idx="1"/>
           </p:nvPr>
-        </p:nvSpPr>
-        <p:spPr/>
-        <p:txBody>
-          <a:bodyPr>
-            <a:normAutofit fontScale="55000" lnSpcReduction="20000"/>
-          </a:bodyPr>
-          <a:lstStyle/>
-          <a:p>
-            <a:r>
-              <a:rPr lang="en-US" dirty="0"/>
-              <a:t>Example:</a:t>
-            </a:r>
-          </a:p>
-          <a:p>
-            <a:pPr marL="0" indent="0">
-              <a:buNone/>
-            </a:pPr>
-            <a:r>
-              <a:rPr lang="en-US" dirty="0"/>
-              <a:t>def </a:t>
-            </a:r>
-            <a:r>
-              <a:rPr lang="en-US" dirty="0" err="1"/>
-              <a:t>time_required</a:t>
-            </a:r>
-            <a:r>
-              <a:rPr lang="en-US" dirty="0"/>
-              <a:t>(frequency, </a:t>
-            </a:r>
-            <a:r>
-              <a:rPr lang="en-US" dirty="0" err="1"/>
-              <a:t>current_weight</a:t>
-            </a:r>
-            <a:r>
-              <a:rPr lang="en-US" dirty="0"/>
-              <a:t>, </a:t>
-            </a:r>
-            <a:r>
-              <a:rPr lang="en-US" dirty="0" err="1"/>
-              <a:t>target_weight</a:t>
-            </a:r>
-            <a:r>
-              <a:rPr lang="en-US" dirty="0"/>
-              <a:t>, CALORIES_PER_POUND, gender, age, units, time, met, breakfast, lunch, snack, dinner):</a:t>
-            </a:r>
-          </a:p>
-          <a:p>
-            <a:pPr marL="0" indent="0">
-              <a:buNone/>
-            </a:pPr>
-            <a:r>
-              <a:rPr lang="en-US" dirty="0"/>
-              <a:t>    </a:t>
-            </a:r>
-            <a:r>
-              <a:rPr lang="en-US" dirty="0" err="1"/>
-              <a:t>days_required</a:t>
-            </a:r>
-            <a:r>
-              <a:rPr lang="en-US" dirty="0"/>
-              <a:t> = round((</a:t>
-            </a:r>
-            <a:r>
-              <a:rPr lang="en-US" dirty="0" err="1"/>
-              <a:t>weight_goal</a:t>
-            </a:r>
-            <a:r>
-              <a:rPr lang="en-US" dirty="0"/>
-              <a:t>(</a:t>
-            </a:r>
-            <a:r>
-              <a:rPr lang="en-US" dirty="0" err="1"/>
-              <a:t>current_weight</a:t>
-            </a:r>
-            <a:r>
-              <a:rPr lang="en-US" dirty="0"/>
-              <a:t>,     </a:t>
-            </a:r>
-            <a:r>
-              <a:rPr lang="en-US" dirty="0" err="1"/>
-              <a:t>target_weight</a:t>
-            </a:r>
-            <a:r>
-              <a:rPr lang="en-US" dirty="0"/>
-              <a:t>) * CALORIES_PER_POUND / </a:t>
-            </a:r>
-            <a:r>
-              <a:rPr lang="en-US" dirty="0" err="1"/>
-              <a:t>calorie_diff</a:t>
-            </a:r>
-            <a:r>
-              <a:rPr lang="en-US" dirty="0"/>
-              <a:t>(</a:t>
-            </a:r>
-            <a:r>
-              <a:rPr lang="en-US" dirty="0" err="1"/>
-              <a:t>calorie_burn</a:t>
-            </a:r>
-            <a:r>
-              <a:rPr lang="en-US" dirty="0"/>
-              <a:t>(gender, age), </a:t>
-            </a:r>
-            <a:r>
-              <a:rPr lang="en-US" dirty="0" err="1"/>
-              <a:t>calories_burned</a:t>
-            </a:r>
-            <a:r>
-              <a:rPr lang="en-US" dirty="0"/>
-              <a:t>(units, time, met, </a:t>
-            </a:r>
-            <a:r>
-              <a:rPr lang="en-US" dirty="0" err="1"/>
-              <a:t>current_weight</a:t>
-            </a:r>
-            <a:r>
-              <a:rPr lang="en-US" dirty="0"/>
-              <a:t>), </a:t>
-            </a:r>
-            <a:r>
-              <a:rPr lang="en-US" dirty="0" err="1"/>
-              <a:t>daily_calories</a:t>
-            </a:r>
-            <a:r>
-              <a:rPr lang="en-US" dirty="0"/>
-              <a:t>(breakfast, lunch, snack, dinner))), 2)</a:t>
-            </a:r>
-          </a:p>
-          <a:p>
-            <a:pPr marL="0" indent="0">
-              <a:buNone/>
-            </a:pPr>
-            <a:r>
-              <a:rPr lang="en-US" dirty="0"/>
-              <a:t>    </a:t>
-            </a:r>
-            <a:r>
-              <a:rPr lang="en-US" dirty="0" err="1"/>
-              <a:t>months_required</a:t>
-            </a:r>
-            <a:r>
-              <a:rPr lang="en-US" dirty="0"/>
-              <a:t> = round((</a:t>
-            </a:r>
-            <a:r>
-              <a:rPr lang="en-US" dirty="0" err="1"/>
-              <a:t>days_required</a:t>
-            </a:r>
-            <a:r>
-              <a:rPr lang="en-US" dirty="0"/>
-              <a:t> / 30), 2)</a:t>
-            </a:r>
-          </a:p>
-          <a:p>
-            <a:pPr marL="0" indent="0">
-              <a:buNone/>
-            </a:pPr>
-            <a:r>
-              <a:rPr lang="en-US" dirty="0"/>
-              <a:t>    </a:t>
-            </a:r>
-          </a:p>
-          <a:p>
-            <a:pPr marL="0" indent="0">
-              <a:buNone/>
-            </a:pPr>
-            <a:r>
-              <a:rPr lang="en-US" dirty="0"/>
-              <a:t>    if frequency == 'days':</a:t>
-            </a:r>
-          </a:p>
-          <a:p>
-            <a:pPr marL="0" indent="0">
-              <a:buNone/>
-            </a:pPr>
-            <a:r>
-              <a:rPr lang="en-US" dirty="0"/>
-              <a:t>        return </a:t>
-            </a:r>
-            <a:r>
-              <a:rPr lang="en-US" dirty="0" err="1"/>
-              <a:t>days_required</a:t>
-            </a:r>
-            <a:endParaRPr lang="en-US" dirty="0"/>
-          </a:p>
-          <a:p>
-            <a:pPr marL="0" indent="0">
-              <a:buNone/>
-            </a:pPr>
-            <a:r>
-              <a:rPr lang="en-US" dirty="0"/>
-              <a:t>    </a:t>
-            </a:r>
-            <a:r>
-              <a:rPr lang="en-US" dirty="0" err="1"/>
-              <a:t>elif</a:t>
-            </a:r>
-            <a:r>
-              <a:rPr lang="en-US" dirty="0"/>
-              <a:t> frequency == 'months':</a:t>
-            </a:r>
-          </a:p>
-          <a:p>
-            <a:pPr marL="0" indent="0">
-              <a:buNone/>
-            </a:pPr>
-            <a:r>
-              <a:rPr lang="en-US" dirty="0"/>
-              <a:t>        return </a:t>
-            </a:r>
-            <a:r>
-              <a:rPr lang="en-US" dirty="0" err="1"/>
-              <a:t>months_required</a:t>
-            </a:r>
-            <a:endParaRPr lang="en-US" dirty="0"/>
-          </a:p>
-          <a:p>
-            <a:pPr marL="0" indent="0">
-              <a:buNone/>
-            </a:pPr>
-            <a:r>
-              <a:rPr lang="en-US" dirty="0"/>
-              <a:t>    else:</a:t>
-            </a:r>
-          </a:p>
-          <a:p>
-            <a:pPr marL="0" indent="0">
-              <a:buNone/>
-            </a:pPr>
-            <a:r>
-              <a:rPr lang="en-US" dirty="0"/>
-              <a:t>        return </a:t>
-            </a:r>
-            <a:r>
-              <a:rPr lang="en-US" dirty="0" err="1"/>
-              <a:t>months_required</a:t>
-            </a:r>
-            <a:endParaRPr lang="en-US" dirty="0"/>
-          </a:p>
-        </p:txBody>
-      </p:sp>
-      <p:sp>
-        <p:nvSpPr>
-          <p:cNvPr id="4" name="Text Placeholder 3">
-            <a:extLst>
-              <a:ext uri="{FF2B5EF4-FFF2-40B4-BE49-F238E27FC236}">
-                <a16:creationId xmlns:a16="http://schemas.microsoft.com/office/drawing/2014/main" id="{3E5CDE50-2061-47F9-8F6B-7F3930808C93}"/>
-              </a:ext>
-            </a:extLst>
-          </p:cNvPr>
-          <p:cNvSpPr>
-            <a:spLocks noGrp="1"/>
-          </p:cNvSpPr>
-          <p:nvPr>
-            <p:ph type="body" sz="half" idx="2"/>
-          </p:nvPr>
-        </p:nvSpPr>
-        <p:spPr/>
-        <p:txBody>
-          <a:bodyPr>
-            <a:normAutofit/>
-          </a:bodyPr>
-          <a:lstStyle/>
-          <a:p>
-            <a:pPr marL="285750" indent="-285750">
-              <a:buFont typeface="Arial" panose="020B0604020202020204" pitchFamily="34" charset="0"/>
-              <a:buChar char="•"/>
-            </a:pPr>
-            <a:r>
-              <a:rPr lang="en-US" dirty="0"/>
-              <a:t>BMI</a:t>
-            </a:r>
-          </a:p>
-          <a:p>
-            <a:pPr marL="285750" indent="-285750">
-              <a:buFont typeface="Arial" panose="020B0604020202020204" pitchFamily="34" charset="0"/>
-              <a:buChar char="•"/>
-            </a:pPr>
-            <a:r>
-              <a:rPr lang="en-US" dirty="0" err="1"/>
-              <a:t>calories_burned</a:t>
-            </a:r>
-            <a:r>
-              <a:rPr lang="en-US" dirty="0"/>
-              <a:t> (burned by activity)</a:t>
-            </a:r>
-          </a:p>
-          <a:p>
-            <a:pPr marL="285750" indent="-285750">
-              <a:buFont typeface="Arial" panose="020B0604020202020204" pitchFamily="34" charset="0"/>
-              <a:buChar char="•"/>
-            </a:pPr>
-            <a:r>
-              <a:rPr lang="en-US" dirty="0"/>
-              <a:t>pounds (unit conversion)</a:t>
-            </a:r>
-          </a:p>
-          <a:p>
-            <a:pPr marL="285750" indent="-285750">
-              <a:buFont typeface="Arial" panose="020B0604020202020204" pitchFamily="34" charset="0"/>
-              <a:buChar char="•"/>
-            </a:pPr>
-            <a:r>
-              <a:rPr lang="en-US" dirty="0"/>
-              <a:t>Inch (unit conversion)</a:t>
-            </a:r>
-          </a:p>
-          <a:p>
-            <a:pPr marL="285750" indent="-285750">
-              <a:buFont typeface="Arial" panose="020B0604020202020204" pitchFamily="34" charset="0"/>
-              <a:buChar char="•"/>
-            </a:pPr>
-            <a:r>
-              <a:rPr lang="en-US" dirty="0" err="1"/>
-              <a:t>ideal_weight_formula</a:t>
-            </a:r>
-            <a:endParaRPr lang="en-US" dirty="0"/>
-          </a:p>
-          <a:p>
-            <a:pPr marL="285750" indent="-285750">
-              <a:buFont typeface="Arial" panose="020B0604020202020204" pitchFamily="34" charset="0"/>
-              <a:buChar char="•"/>
-            </a:pPr>
-            <a:r>
-              <a:rPr lang="en-US" dirty="0" err="1"/>
-              <a:t>daily_calories</a:t>
-            </a:r>
-            <a:r>
-              <a:rPr lang="en-US" dirty="0"/>
-              <a:t> (calorie intake)</a:t>
-            </a:r>
-          </a:p>
-          <a:p>
-            <a:pPr marL="285750" indent="-285750">
-              <a:buFont typeface="Arial" panose="020B0604020202020204" pitchFamily="34" charset="0"/>
-              <a:buChar char="•"/>
-            </a:pPr>
-            <a:r>
-              <a:rPr lang="en-US" dirty="0" err="1"/>
-              <a:t>calorie_burn</a:t>
-            </a:r>
-            <a:r>
-              <a:rPr lang="en-US" dirty="0"/>
-              <a:t> (base calories per day)</a:t>
-            </a:r>
-          </a:p>
-          <a:p>
-            <a:pPr marL="285750" indent="-285750">
-              <a:buFont typeface="Arial" panose="020B0604020202020204" pitchFamily="34" charset="0"/>
-              <a:buChar char="•"/>
-            </a:pPr>
-            <a:r>
-              <a:rPr lang="en-US" dirty="0" err="1"/>
-              <a:t>weight_goal</a:t>
-            </a:r>
-            <a:endParaRPr lang="en-US" dirty="0"/>
-          </a:p>
-          <a:p>
-            <a:pPr marL="285750" indent="-285750">
-              <a:buFont typeface="Arial" panose="020B0604020202020204" pitchFamily="34" charset="0"/>
-              <a:buChar char="•"/>
-            </a:pPr>
-            <a:r>
-              <a:rPr lang="en-US" dirty="0" err="1"/>
-              <a:t>calorie_diff</a:t>
-            </a:r>
-            <a:r>
-              <a:rPr lang="en-US" dirty="0"/>
-              <a:t> (total calorie burn vs intake)</a:t>
-            </a:r>
-          </a:p>
-          <a:p>
-            <a:pPr marL="285750" indent="-285750">
-              <a:buFont typeface="Arial" panose="020B0604020202020204" pitchFamily="34" charset="0"/>
-              <a:buChar char="•"/>
-            </a:pPr>
-            <a:r>
-              <a:rPr lang="en-US" dirty="0" err="1"/>
-              <a:t>time_required</a:t>
-            </a:r>
-            <a:r>
-              <a:rPr lang="en-US" dirty="0"/>
-              <a:t> (to reach weight goal)</a:t>
-            </a:r>
-          </a:p>
-          <a:p>
-            <a:pPr marL="285750" indent="-285750">
-              <a:buFont typeface="Arial" panose="020B0604020202020204" pitchFamily="34" charset="0"/>
-              <a:buChar char="•"/>
-            </a:pPr>
-            <a:endParaRPr lang="en-US" dirty="0"/>
-          </a:p>
-          <a:p>
-            <a:pPr marL="285750" indent="-285750">
-              <a:buFont typeface="Arial" panose="020B0604020202020204" pitchFamily="34" charset="0"/>
-              <a:buChar char="•"/>
-            </a:pPr>
-            <a:endParaRPr lang="en-US" dirty="0"/>
-          </a:p>
-        </p:txBody>
-      </p:sp>
+        </p:nvPicPr>
+        <p:blipFill>
+          <a:blip r:embed="rId2">
+            <a:extLst>
+              <a:ext uri="{28A0092B-C50C-407E-A947-70E740481C1C}">
+                <a14:useLocalDpi xmlns:a14="http://schemas.microsoft.com/office/drawing/2010/main" val="0"/>
+              </a:ext>
+            </a:extLst>
+          </a:blip>
+          <a:stretch>
+            <a:fillRect/>
+          </a:stretch>
+        </p:blipFill>
+        <p:spPr>
+          <a:xfrm>
+            <a:off x="839789" y="1371600"/>
+            <a:ext cx="11260476" cy="5428309"/>
+          </a:xfrm>
+          <a:ln>
+            <a:solidFill>
+              <a:schemeClr val="accent2">
+                <a:lumMod val="60000"/>
+                <a:lumOff val="40000"/>
+              </a:schemeClr>
+            </a:solidFill>
+          </a:ln>
+        </p:spPr>
+      </p:pic>
     </p:spTree>
     <p:extLst>
       <p:ext uri="{BB962C8B-B14F-4D97-AF65-F5344CB8AC3E}">
@@ -5091,7 +4743,12 @@
             <p:ph type="title"/>
           </p:nvPr>
         </p:nvSpPr>
-        <p:spPr/>
+        <p:spPr>
+          <a:xfrm>
+            <a:off x="839788" y="457200"/>
+            <a:ext cx="3932237" cy="1096392"/>
+          </a:xfrm>
+        </p:spPr>
         <p:txBody>
           <a:bodyPr/>
           <a:lstStyle/>
@@ -5112,173 +4769,30 @@
       </p:sp>
       <p:sp>
         <p:nvSpPr>
-          <p:cNvPr id="3" name="Content Placeholder 2">
-            <a:extLst>
-              <a:ext uri="{FF2B5EF4-FFF2-40B4-BE49-F238E27FC236}">
-                <a16:creationId xmlns:a16="http://schemas.microsoft.com/office/drawing/2014/main" id="{18E72F8F-8A90-4887-9CA2-5061F8CCC8F0}"/>
-              </a:ext>
-            </a:extLst>
-          </p:cNvPr>
-          <p:cNvSpPr>
-            <a:spLocks noGrp="1"/>
-          </p:cNvSpPr>
-          <p:nvPr>
-            <p:ph idx="1"/>
-          </p:nvPr>
-        </p:nvSpPr>
-        <p:spPr/>
-        <p:txBody>
-          <a:bodyPr>
-            <a:normAutofit fontScale="62500" lnSpcReduction="20000"/>
+          <p:cNvPr id="4" name="Text Placeholder 3">
+            <a:extLst>
+              <a:ext uri="{FF2B5EF4-FFF2-40B4-BE49-F238E27FC236}">
+                <a16:creationId xmlns:a16="http://schemas.microsoft.com/office/drawing/2014/main" id="{AE96F464-6C46-4283-93C4-0D8A7FD47536}"/>
+              </a:ext>
+            </a:extLst>
+          </p:cNvPr>
+          <p:cNvSpPr>
+            <a:spLocks noGrp="1"/>
+          </p:cNvSpPr>
+          <p:nvPr>
+            <p:ph type="body" sz="half" idx="2"/>
+          </p:nvPr>
+        </p:nvSpPr>
+        <p:spPr>
+          <a:xfrm>
+            <a:off x="839788" y="1697854"/>
+            <a:ext cx="10878879" cy="1371601"/>
+          </a:xfrm>
+        </p:spPr>
+        <p:txBody>
+          <a:bodyPr numCol="2">
+            <a:normAutofit/>
           </a:bodyPr>
-          <a:lstStyle/>
-          <a:p>
-            <a:r>
-              <a:rPr lang="en-US" dirty="0"/>
-              <a:t>Example:</a:t>
-            </a:r>
-          </a:p>
-          <a:p>
-            <a:pPr marL="0" indent="0">
-              <a:buNone/>
-            </a:pPr>
-            <a:r>
-              <a:rPr lang="en-US" dirty="0"/>
-              <a:t>contract </a:t>
-            </a:r>
-            <a:r>
-              <a:rPr lang="en-US" dirty="0" err="1"/>
-              <a:t>HealthLifeCoin</a:t>
-            </a:r>
-            <a:r>
-              <a:rPr lang="en-US" dirty="0"/>
-              <a:t> is ERC20, ERC20Detailed, ERC20Mintable {</a:t>
-            </a:r>
-          </a:p>
-          <a:p>
-            <a:pPr marL="0" indent="0">
-              <a:buNone/>
-            </a:pPr>
-            <a:r>
-              <a:rPr lang="en-US" dirty="0"/>
-              <a:t>    constructor(</a:t>
-            </a:r>
-          </a:p>
-          <a:p>
-            <a:pPr marL="0" indent="0">
-              <a:buNone/>
-            </a:pPr>
-            <a:r>
-              <a:rPr lang="en-US" dirty="0"/>
-              <a:t>        string memory name,</a:t>
-            </a:r>
-          </a:p>
-          <a:p>
-            <a:pPr marL="0" indent="0">
-              <a:buNone/>
-            </a:pPr>
-            <a:r>
-              <a:rPr lang="en-US" dirty="0"/>
-              <a:t>        string memory symbol,</a:t>
-            </a:r>
-          </a:p>
-          <a:p>
-            <a:pPr marL="0" indent="0">
-              <a:buNone/>
-            </a:pPr>
-            <a:r>
-              <a:rPr lang="en-US" dirty="0"/>
-              <a:t>        </a:t>
-            </a:r>
-            <a:r>
-              <a:rPr lang="en-US" dirty="0" err="1"/>
-              <a:t>uint</a:t>
-            </a:r>
-            <a:r>
-              <a:rPr lang="en-US" dirty="0"/>
-              <a:t> </a:t>
-            </a:r>
-            <a:r>
-              <a:rPr lang="en-US" dirty="0" err="1"/>
-              <a:t>initial_supply</a:t>
-            </a:r>
-            <a:endParaRPr lang="en-US" dirty="0"/>
-          </a:p>
-          <a:p>
-            <a:pPr marL="0" indent="0">
-              <a:buNone/>
-            </a:pPr>
-            <a:r>
-              <a:rPr lang="en-US" dirty="0"/>
-              <a:t>    )</a:t>
-            </a:r>
-          </a:p>
-          <a:p>
-            <a:pPr marL="0" indent="0">
-              <a:buNone/>
-            </a:pPr>
-            <a:r>
-              <a:rPr lang="en-US" dirty="0"/>
-              <a:t>        ERC20Detailed(name, symbol, 18)</a:t>
-            </a:r>
-          </a:p>
-          <a:p>
-            <a:pPr marL="0" indent="0">
-              <a:buNone/>
-            </a:pPr>
-            <a:r>
-              <a:rPr lang="en-US" dirty="0"/>
-              <a:t>        public</a:t>
-            </a:r>
-          </a:p>
-          <a:p>
-            <a:pPr marL="0" indent="0">
-              <a:buNone/>
-            </a:pPr>
-            <a:r>
-              <a:rPr lang="en-US" dirty="0"/>
-              <a:t>    {</a:t>
-            </a:r>
-          </a:p>
-          <a:p>
-            <a:pPr marL="0" indent="0">
-              <a:buNone/>
-            </a:pPr>
-            <a:r>
-              <a:rPr lang="en-US" dirty="0"/>
-              <a:t>    }</a:t>
-            </a:r>
-          </a:p>
-          <a:p>
-            <a:pPr marL="0" indent="0">
-              <a:buNone/>
-            </a:pPr>
-            <a:r>
-              <a:rPr lang="en-US" dirty="0"/>
-              <a:t>}</a:t>
-            </a:r>
-          </a:p>
-        </p:txBody>
-      </p:sp>
-      <p:sp>
-        <p:nvSpPr>
-          <p:cNvPr id="4" name="Text Placeholder 3">
-            <a:extLst>
-              <a:ext uri="{FF2B5EF4-FFF2-40B4-BE49-F238E27FC236}">
-                <a16:creationId xmlns:a16="http://schemas.microsoft.com/office/drawing/2014/main" id="{AE96F464-6C46-4283-93C4-0D8A7FD47536}"/>
-              </a:ext>
-            </a:extLst>
-          </p:cNvPr>
-          <p:cNvSpPr>
-            <a:spLocks noGrp="1"/>
-          </p:cNvSpPr>
-          <p:nvPr>
-            <p:ph type="body" sz="half" idx="2"/>
-          </p:nvPr>
-        </p:nvSpPr>
-        <p:spPr/>
-        <p:txBody>
-          <a:bodyPr/>
           <a:lstStyle/>
           <a:p>
             <a:pPr marL="285750" indent="-285750">
@@ -5348,6 +4862,49 @@
           </a:p>
         </p:txBody>
       </p:sp>
+      <p:pic>
+        <p:nvPicPr>
+          <p:cNvPr id="8" name="Content Placeholder 7" descr="Graphical user interface, application&#10;&#10;Description automatically generated">
+            <a:extLst>
+              <a:ext uri="{FF2B5EF4-FFF2-40B4-BE49-F238E27FC236}">
+                <a16:creationId xmlns:a16="http://schemas.microsoft.com/office/drawing/2014/main" id="{0B3D84C8-76A5-4667-85B9-0C720FA57064}"/>
+              </a:ext>
+            </a:extLst>
+          </p:cNvPr>
+          <p:cNvPicPr>
+            <a:picLocks noGrp="1" noChangeAspect="1"/>
+          </p:cNvPicPr>
+          <p:nvPr>
+            <p:ph idx="1"/>
+          </p:nvPr>
+        </p:nvPicPr>
+        <p:blipFill>
+          <a:blip r:embed="rId2">
+            <a:extLst>
+              <a:ext uri="{28A0092B-C50C-407E-A947-70E740481C1C}">
+                <a14:useLocalDpi xmlns:a14="http://schemas.microsoft.com/office/drawing/2010/main" val="0"/>
+              </a:ext>
+            </a:extLst>
+          </a:blip>
+          <a:stretch>
+            <a:fillRect/>
+          </a:stretch>
+        </p:blipFill>
+        <p:spPr>
+          <a:xfrm>
+            <a:off x="1014172" y="3213717"/>
+            <a:ext cx="10338040" cy="3531772"/>
+          </a:xfrm>
+          <a:ln>
+            <a:solidFill>
+              <a:schemeClr val="accent2">
+                <a:lumMod val="60000"/>
+                <a:lumOff val="40000"/>
+              </a:schemeClr>
+            </a:solidFill>
+          </a:ln>
+        </p:spPr>
+      </p:pic>
     </p:spTree>
     <p:extLst>
       <p:ext uri="{BB962C8B-B14F-4D97-AF65-F5344CB8AC3E}">
@@ -5723,7 +5280,12 @@
             <p:ph type="title"/>
           </p:nvPr>
         </p:nvSpPr>
-        <p:spPr/>
+        <p:spPr>
+          <a:xfrm>
+            <a:off x="839788" y="457200"/>
+            <a:ext cx="3932237" cy="609600"/>
+          </a:xfrm>
+        </p:spPr>
         <p:txBody>
           <a:bodyPr/>
           <a:lstStyle/>
@@ -5737,34 +5299,6 @@
       </p:sp>
       <p:sp>
         <p:nvSpPr>
-          <p:cNvPr id="3" name="Content Placeholder 2">
-            <a:extLst>
-              <a:ext uri="{FF2B5EF4-FFF2-40B4-BE49-F238E27FC236}">
-                <a16:creationId xmlns:a16="http://schemas.microsoft.com/office/drawing/2014/main" id="{DFFEB08A-139E-4A06-BDD0-AD27C9D428CA}"/>
-              </a:ext>
-            </a:extLst>
-          </p:cNvPr>
-          <p:cNvSpPr>
-            <a:spLocks noGrp="1"/>
-          </p:cNvSpPr>
-          <p:nvPr>
-            <p:ph idx="1"/>
-          </p:nvPr>
-        </p:nvSpPr>
-        <p:spPr/>
-        <p:txBody>
-          <a:bodyPr/>
-          <a:lstStyle/>
-          <a:p>
-            <a:r>
-              <a:rPr lang="en-US" dirty="0"/>
-              <a:t>&lt;add image from Aaron’s web page&gt;</a:t>
-            </a:r>
-          </a:p>
-        </p:txBody>
-      </p:sp>
-      <p:sp>
-        <p:nvSpPr>
           <p:cNvPr id="4" name="Text Placeholder 3">
             <a:extLst>
               <a:ext uri="{FF2B5EF4-FFF2-40B4-BE49-F238E27FC236}">
@@ -5779,7 +5313,12 @@
             <p:ph type="body" sz="half" idx="2"/>
           </p:nvPr>
         </p:nvSpPr>
-        <p:spPr/>
+        <p:spPr>
+          <a:xfrm>
+            <a:off x="839788" y="1066800"/>
+            <a:ext cx="3932237" cy="1476375"/>
+          </a:xfrm>
+        </p:spPr>
         <p:txBody>
           <a:bodyPr/>
           <a:lstStyle/>
@@ -5815,6 +5354,49 @@
           </a:p>
         </p:txBody>
       </p:sp>
+      <p:pic>
+        <p:nvPicPr>
+          <p:cNvPr id="8" name="Content Placeholder 7" descr="Graphical user interface, text, application, email&#10;&#10;Description automatically generated">
+            <a:extLst>
+              <a:ext uri="{FF2B5EF4-FFF2-40B4-BE49-F238E27FC236}">
+                <a16:creationId xmlns:a16="http://schemas.microsoft.com/office/drawing/2014/main" id="{347ADEE7-BEEA-450E-9A9E-D5330FABCF50}"/>
+              </a:ext>
+            </a:extLst>
+          </p:cNvPr>
+          <p:cNvPicPr>
+            <a:picLocks noGrp="1" noChangeAspect="1"/>
+          </p:cNvPicPr>
+          <p:nvPr>
+            <p:ph idx="1"/>
+          </p:nvPr>
+        </p:nvPicPr>
+        <p:blipFill>
+          <a:blip r:embed="rId2">
+            <a:extLst>
+              <a:ext uri="{28A0092B-C50C-407E-A947-70E740481C1C}">
+                <a14:useLocalDpi xmlns:a14="http://schemas.microsoft.com/office/drawing/2010/main" val="0"/>
+              </a:ext>
+            </a:extLst>
+          </a:blip>
+          <a:stretch>
+            <a:fillRect/>
+          </a:stretch>
+        </p:blipFill>
+        <p:spPr>
+          <a:xfrm>
+            <a:off x="4391026" y="1293469"/>
+            <a:ext cx="7454360" cy="5146789"/>
+          </a:xfrm>
+          <a:ln>
+            <a:solidFill>
+              <a:schemeClr val="accent3">
+                <a:lumMod val="60000"/>
+                <a:lumOff val="40000"/>
+              </a:schemeClr>
+            </a:solidFill>
+          </a:ln>
+        </p:spPr>
+      </p:pic>
     </p:spTree>
     <p:extLst>
       <p:ext uri="{BB962C8B-B14F-4D97-AF65-F5344CB8AC3E}">
